--- a/hist/theme3/acts/fashoda-incident/La_Crise_de_Fachoda.pptx
+++ b/hist/theme3/acts/fashoda-incident/La_Crise_de_Fachoda.pptx
@@ -3963,9 +3963,10 @@
         <a:lstStyle/>
         <a:p>
           <a:r>
-            <a:rPr lang="fr-FR" dirty="0"/>
-            <a:t>Tensions Impérialiste</a:t>
+            <a:rPr lang="fr-FR"/>
+            <a:t>Tensions Impérialistes</a:t>
           </a:r>
+          <a:endParaRPr lang="fr-FR" dirty="0"/>
         </a:p>
       </dgm:t>
     </dgm:pt>
@@ -5726,9 +5727,10 @@
             <a:buNone/>
           </a:pPr>
           <a:r>
-            <a:rPr lang="fr-FR" sz="3600" kern="1200" dirty="0"/>
-            <a:t>Tensions Impérialiste</a:t>
+            <a:rPr lang="fr-FR" sz="3600" kern="1200"/>
+            <a:t>Tensions Impérialistes</a:t>
           </a:r>
+          <a:endParaRPr lang="fr-FR" sz="3600" kern="1200" dirty="0"/>
         </a:p>
         <a:p>
           <a:pPr marL="285750" lvl="1" indent="-285750" algn="l" defTabSz="1244600">
@@ -14404,7 +14406,7 @@
           <a:p>
             <a:fld id="{B2215688-6F98-4D81-8FCD-EA1B82D42852}" type="datetimeFigureOut">
               <a:rPr lang="fr-FR" smtClean="0"/>
-              <a:t>04/05/2022</a:t>
+              <a:t>09/05/2022</a:t>
             </a:fld>
             <a:endParaRPr lang="fr-FR" dirty="0"/>
           </a:p>
@@ -14567,7 +14569,7 @@
           <a:p>
             <a:fld id="{B2215688-6F98-4D81-8FCD-EA1B82D42852}" type="datetimeFigureOut">
               <a:rPr lang="fr-FR" smtClean="0"/>
-              <a:t>04/05/2022</a:t>
+              <a:t>09/05/2022</a:t>
             </a:fld>
             <a:endParaRPr lang="fr-FR" dirty="0"/>
           </a:p>
@@ -14740,7 +14742,7 @@
           <a:p>
             <a:fld id="{B2215688-6F98-4D81-8FCD-EA1B82D42852}" type="datetimeFigureOut">
               <a:rPr lang="fr-FR" smtClean="0"/>
-              <a:t>04/05/2022</a:t>
+              <a:t>09/05/2022</a:t>
             </a:fld>
             <a:endParaRPr lang="fr-FR" dirty="0"/>
           </a:p>
@@ -14903,7 +14905,7 @@
           <a:p>
             <a:fld id="{B2215688-6F98-4D81-8FCD-EA1B82D42852}" type="datetimeFigureOut">
               <a:rPr lang="fr-FR" smtClean="0"/>
-              <a:t>04/05/2022</a:t>
+              <a:t>09/05/2022</a:t>
             </a:fld>
             <a:endParaRPr lang="fr-FR" dirty="0"/>
           </a:p>
@@ -15143,7 +15145,7 @@
           <a:p>
             <a:fld id="{B2215688-6F98-4D81-8FCD-EA1B82D42852}" type="datetimeFigureOut">
               <a:rPr lang="fr-FR" smtClean="0"/>
-              <a:t>04/05/2022</a:t>
+              <a:t>09/05/2022</a:t>
             </a:fld>
             <a:endParaRPr lang="fr-FR" dirty="0"/>
           </a:p>
@@ -15423,7 +15425,7 @@
           <a:p>
             <a:fld id="{B2215688-6F98-4D81-8FCD-EA1B82D42852}" type="datetimeFigureOut">
               <a:rPr lang="fr-FR" smtClean="0"/>
-              <a:t>04/05/2022</a:t>
+              <a:t>09/05/2022</a:t>
             </a:fld>
             <a:endParaRPr lang="fr-FR" dirty="0"/>
           </a:p>
@@ -15837,7 +15839,7 @@
           <a:p>
             <a:fld id="{B2215688-6F98-4D81-8FCD-EA1B82D42852}" type="datetimeFigureOut">
               <a:rPr lang="fr-FR" smtClean="0"/>
-              <a:t>04/05/2022</a:t>
+              <a:t>09/05/2022</a:t>
             </a:fld>
             <a:endParaRPr lang="fr-FR" dirty="0"/>
           </a:p>
@@ -15949,7 +15951,7 @@
           <a:p>
             <a:fld id="{B2215688-6F98-4D81-8FCD-EA1B82D42852}" type="datetimeFigureOut">
               <a:rPr lang="fr-FR" smtClean="0"/>
-              <a:t>04/05/2022</a:t>
+              <a:t>09/05/2022</a:t>
             </a:fld>
             <a:endParaRPr lang="fr-FR" dirty="0"/>
           </a:p>
@@ -16039,7 +16041,7 @@
           <a:p>
             <a:fld id="{B2215688-6F98-4D81-8FCD-EA1B82D42852}" type="datetimeFigureOut">
               <a:rPr lang="fr-FR" smtClean="0"/>
-              <a:t>04/05/2022</a:t>
+              <a:t>09/05/2022</a:t>
             </a:fld>
             <a:endParaRPr lang="fr-FR" dirty="0"/>
           </a:p>
@@ -16309,7 +16311,7 @@
           <a:p>
             <a:fld id="{B2215688-6F98-4D81-8FCD-EA1B82D42852}" type="datetimeFigureOut">
               <a:rPr lang="fr-FR" smtClean="0"/>
-              <a:t>04/05/2022</a:t>
+              <a:t>09/05/2022</a:t>
             </a:fld>
             <a:endParaRPr lang="fr-FR" dirty="0"/>
           </a:p>
@@ -16556,7 +16558,7 @@
           <a:p>
             <a:fld id="{B2215688-6F98-4D81-8FCD-EA1B82D42852}" type="datetimeFigureOut">
               <a:rPr lang="fr-FR" smtClean="0"/>
-              <a:t>04/05/2022</a:t>
+              <a:t>09/05/2022</a:t>
             </a:fld>
             <a:endParaRPr lang="fr-FR" dirty="0"/>
           </a:p>
@@ -16768,7 +16770,7 @@
           <a:p>
             <a:fld id="{B2215688-6F98-4D81-8FCD-EA1B82D42852}" type="datetimeFigureOut">
               <a:rPr lang="fr-FR" smtClean="0"/>
-              <a:t>04/05/2022</a:t>
+              <a:t>09/05/2022</a:t>
             </a:fld>
             <a:endParaRPr lang="fr-FR" dirty="0"/>
           </a:p>
@@ -18430,7 +18432,7 @@
             <p:ph idx="1"/>
             <p:extLst>
               <p:ext uri="{D42A27DB-BD31-4B8C-83A1-F6EECF244321}">
-                <p14:modId xmlns:p14="http://schemas.microsoft.com/office/powerpoint/2010/main" val="1244858983"/>
+                <p14:modId xmlns:p14="http://schemas.microsoft.com/office/powerpoint/2010/main" val="2211785949"/>
               </p:ext>
             </p:extLst>
           </p:nvPr>
@@ -20054,7 +20056,7 @@
             <a:pPr algn="ctr"/>
             <a:r>
               <a:rPr lang="fr-FR" sz="2400" b="1" dirty="0"/>
-              <a:t>Conférence de Berlin (1880)</a:t>
+              <a:t>Conférence de Berlin (1885)</a:t>
             </a:r>
           </a:p>
         </p:txBody>

--- a/hist/theme3/acts/fashoda-incident/La_Crise_de_Fachoda.pptx
+++ b/hist/theme3/acts/fashoda-incident/La_Crise_de_Fachoda.pptx
@@ -22737,7 +22737,26 @@
                 <a:ea typeface="Liberation Serif" panose="02020603050405020304" pitchFamily="18" charset="0"/>
                 <a:cs typeface="Liberation Serif" panose="02020603050405020304" pitchFamily="18" charset="0"/>
               </a:rPr>
-              <a:t>devoir de dominer</a:t>
+              <a:t>devoir de </a:t>
+            </a:r>
+            <a:r>
+              <a:rPr lang="fr-FR" sz="2400">
+                <a:solidFill>
+                  <a:srgbClr val="C00000"/>
+                </a:solidFill>
+                <a:latin typeface="Liberation Serif" panose="02020603050405020304" pitchFamily="18" charset="0"/>
+                <a:ea typeface="Liberation Serif" panose="02020603050405020304" pitchFamily="18" charset="0"/>
+                <a:cs typeface="Liberation Serif" panose="02020603050405020304" pitchFamily="18" charset="0"/>
+              </a:rPr>
+              <a:t>dominer</a:t>
+            </a:r>
+            <a:r>
+              <a:rPr lang="fr-FR" sz="2400">
+                <a:latin typeface="Liberation Serif" panose="02020603050405020304" pitchFamily="18" charset="0"/>
+                <a:ea typeface="Liberation Serif" panose="02020603050405020304" pitchFamily="18" charset="0"/>
+                <a:cs typeface="Liberation Serif" panose="02020603050405020304" pitchFamily="18" charset="0"/>
+              </a:rPr>
+              <a:t> […] d’autres peuples qui, </a:t>
             </a:r>
             <a:r>
               <a:rPr lang="fr-FR" sz="2400" dirty="0">
@@ -22745,7 +22764,7 @@
                 <a:ea typeface="Liberation Serif" panose="02020603050405020304" pitchFamily="18" charset="0"/>
                 <a:cs typeface="Liberation Serif" panose="02020603050405020304" pitchFamily="18" charset="0"/>
               </a:rPr>
-              <a:t> […], peut-être </a:t>
+              <a:t>peut-être </a:t>
             </a:r>
             <a:r>
               <a:rPr lang="fr-FR" sz="2400" dirty="0">
